--- a/숙제.pptx
+++ b/숙제.pptx
@@ -4725,7 +4725,28 @@
               <a:rPr lang="ko-KR" altLang="en-US" dirty="0" smtClean="0"/>
               <a:t>일 까지</a:t>
             </a:r>
-            <a:endParaRPr lang="ko-KR" altLang="en-US" dirty="0"/>
+            <a:endParaRPr lang="en-US" altLang="ko-KR" dirty="0" smtClean="0"/>
+          </a:p>
+          <a:p>
+            <a:r>
+              <a:rPr lang="en-US" altLang="ko-KR" sz="2000" dirty="0" smtClean="0">
+                <a:hlinkClick r:id="rId2"/>
+              </a:rPr>
+              <a:t>https://github.com/goldnage/Goldstreet2025/blob/main/</a:t>
+            </a:r>
+            <a:r>
+              <a:rPr lang="ko-KR" altLang="en-US" sz="2000" dirty="0" smtClean="0"/>
+              <a:t>숙제</a:t>
+            </a:r>
+            <a:r>
+              <a:rPr lang="en-US" altLang="ko-KR" sz="2000" dirty="0" smtClean="0"/>
+              <a:t>.</a:t>
+            </a:r>
+            <a:r>
+              <a:rPr lang="en-US" altLang="ko-KR" sz="2000" dirty="0" err="1" smtClean="0"/>
+              <a:t>pptx</a:t>
+            </a:r>
+            <a:endParaRPr lang="ko-KR" altLang="en-US" sz="2000" dirty="0"/>
           </a:p>
         </p:txBody>
       </p:sp>
